--- a/course_material/week_10/week_10_presentation.pptx
+++ b/course_material/week_10/week_10_presentation.pptx
@@ -1833,7 +1833,7 @@
           <a:p>
             <a:fld id="{5CF9EFDB-215C-4120-ADCB-EAD745B7163E}" type="datetimeFigureOut">
               <a:rPr lang="en-US" smtClean="0"/>
-              <a:t>5/2/2021</a:t>
+              <a:t>5/4/2021</a:t>
             </a:fld>
             <a:endParaRPr lang="en-US"/>
           </a:p>
@@ -2465,7 +2465,7 @@
           <a:p>
             <a:fld id="{ACF1A1B0-862D-4909-A7DB-D8ADA062DFCA}" type="datetimeFigureOut">
               <a:rPr lang="en-US" dirty="0"/>
-              <a:t>5/2/2021</a:t>
+              <a:t>5/4/2021</a:t>
             </a:fld>
             <a:endParaRPr lang="en-US"/>
           </a:p>
@@ -2688,7 +2688,7 @@
           <a:p>
             <a:fld id="{7B156144-9CB7-4E3A-B87E-A382F9BE05EF}" type="datetimeFigureOut">
               <a:rPr lang="en-US" dirty="0"/>
-              <a:t>5/2/2021</a:t>
+              <a:t>5/4/2021</a:t>
             </a:fld>
             <a:endParaRPr lang="en-US"/>
           </a:p>
@@ -2866,7 +2866,7 @@
           <a:p>
             <a:fld id="{2643D55F-46AB-4791-9172-4FA8DD3A6A9C}" type="datetimeFigureOut">
               <a:rPr lang="en-US" dirty="0"/>
-              <a:t>5/2/2021</a:t>
+              <a:t>5/4/2021</a:t>
             </a:fld>
             <a:endParaRPr lang="en-US"/>
           </a:p>
@@ -3034,7 +3034,7 @@
           <a:p>
             <a:fld id="{58026881-8A08-449C-8D73-E5F201F814C1}" type="datetimeFigureOut">
               <a:rPr lang="en-US" dirty="0"/>
-              <a:t>5/2/2021</a:t>
+              <a:t>5/4/2021</a:t>
             </a:fld>
             <a:endParaRPr lang="en-US"/>
           </a:p>
@@ -3324,7 +3324,7 @@
           <a:p>
             <a:fld id="{1BEB5A5E-0C07-4E93-A112-D37B4D166B30}" type="datetimeFigureOut">
               <a:rPr lang="en-US" dirty="0"/>
-              <a:t>5/2/2021</a:t>
+              <a:t>5/4/2021</a:t>
             </a:fld>
             <a:endParaRPr lang="en-US"/>
           </a:p>
@@ -3647,7 +3647,7 @@
           <a:p>
             <a:fld id="{9E1F71C5-DC57-4358-A1EA-30C08AF6E3C5}" type="datetimeFigureOut">
               <a:rPr lang="en-US" dirty="0"/>
-              <a:t>5/2/2021</a:t>
+              <a:t>5/4/2021</a:t>
             </a:fld>
             <a:endParaRPr lang="en-US"/>
           </a:p>
@@ -4056,7 +4056,7 @@
           <a:p>
             <a:fld id="{12571DBA-DE60-4731-B773-47AAA185C143}" type="datetimeFigureOut">
               <a:rPr lang="en-US" dirty="0"/>
-              <a:t>5/2/2021</a:t>
+              <a:t>5/4/2021</a:t>
             </a:fld>
             <a:endParaRPr lang="en-US"/>
           </a:p>
@@ -4173,7 +4173,7 @@
           <a:p>
             <a:fld id="{4F170639-886C-4FCF-9EAB-ABB5DA3F3F4A}" type="datetimeFigureOut">
               <a:rPr lang="en-US" dirty="0"/>
-              <a:t>5/2/2021</a:t>
+              <a:t>5/4/2021</a:t>
             </a:fld>
             <a:endParaRPr lang="en-US"/>
           </a:p>
@@ -4268,7 +4268,7 @@
           <a:p>
             <a:fld id="{34C4A628-C83B-4C66-83F4-1711CE3738FD}" type="datetimeFigureOut">
               <a:rPr lang="en-US" dirty="0"/>
-              <a:t>5/2/2021</a:t>
+              <a:t>5/4/2021</a:t>
             </a:fld>
             <a:endParaRPr lang="en-US"/>
           </a:p>
@@ -4553,7 +4553,7 @@
           <a:p>
             <a:fld id="{B88C1D73-9400-43CA-A37F-F9B7D00DE14C}" type="datetimeFigureOut">
               <a:rPr lang="en-US" dirty="0"/>
-              <a:t>5/2/2021</a:t>
+              <a:t>5/4/2021</a:t>
             </a:fld>
             <a:endParaRPr lang="en-US"/>
           </a:p>
@@ -4825,7 +4825,7 @@
           <a:p>
             <a:fld id="{188B7711-B905-4633-B4D7-6F3A49A2E7D9}" type="datetimeFigureOut">
               <a:rPr lang="en-US" dirty="0"/>
-              <a:t>5/2/2021</a:t>
+              <a:t>5/4/2021</a:t>
             </a:fld>
             <a:endParaRPr lang="en-US"/>
           </a:p>
@@ -5075,7 +5075,7 @@
             <a:fld id="{89C235CF-BDA2-4E7E-8BBD-350479985E74}" type="datetimeFigureOut">
               <a:rPr lang="en-US" dirty="0"/>
               <a:pPr/>
-              <a:t>5/2/2021</a:t>
+              <a:t>5/4/2021</a:t>
             </a:fld>
             <a:endParaRPr lang="en-US"/>
           </a:p>
@@ -6427,7 +6427,34 @@
           <a:bodyPr/>
           <a:lstStyle/>
           <a:p>
-            <a:endParaRPr lang="en-US" dirty="0"/>
+            <a:r>
+              <a:rPr lang="en-US" dirty="0"/>
+              <a:t>Vector math</a:t>
+            </a:r>
+          </a:p>
+          <a:p>
+            <a:r>
+              <a:rPr lang="en-US" dirty="0"/>
+              <a:t>Matrix math</a:t>
+            </a:r>
+          </a:p>
+          <a:p>
+            <a:r>
+              <a:rPr lang="en-US" dirty="0"/>
+              <a:t>Dot product</a:t>
+            </a:r>
+          </a:p>
+          <a:p>
+            <a:r>
+              <a:rPr lang="en-US" dirty="0"/>
+              <a:t>Orthogonality</a:t>
+            </a:r>
+          </a:p>
+          <a:p>
+            <a:r>
+              <a:rPr lang="en-US" dirty="0"/>
+              <a:t>Linear independence</a:t>
+            </a:r>
           </a:p>
         </p:txBody>
       </p:sp>

--- a/course_material/week_10/week_10_presentation.pptx
+++ b/course_material/week_10/week_10_presentation.pptx
@@ -5,7 +5,7 @@
     <p:sldMasterId id="2147483696" r:id="rId1"/>
   </p:sldMasterIdLst>
   <p:notesMasterIdLst>
-    <p:notesMasterId r:id="rId13"/>
+    <p:notesMasterId r:id="rId16"/>
   </p:notesMasterIdLst>
   <p:sldIdLst>
     <p:sldId id="256" r:id="rId2"/>
@@ -14,11 +14,14 @@
     <p:sldId id="301" r:id="rId5"/>
     <p:sldId id="262" r:id="rId6"/>
     <p:sldId id="285" r:id="rId7"/>
-    <p:sldId id="312" r:id="rId8"/>
-    <p:sldId id="313" r:id="rId9"/>
-    <p:sldId id="314" r:id="rId10"/>
-    <p:sldId id="311" r:id="rId11"/>
-    <p:sldId id="271" r:id="rId12"/>
+    <p:sldId id="316" r:id="rId8"/>
+    <p:sldId id="312" r:id="rId9"/>
+    <p:sldId id="317" r:id="rId10"/>
+    <p:sldId id="318" r:id="rId11"/>
+    <p:sldId id="313" r:id="rId12"/>
+    <p:sldId id="314" r:id="rId13"/>
+    <p:sldId id="311" r:id="rId14"/>
+    <p:sldId id="271" r:id="rId15"/>
   </p:sldIdLst>
   <p:sldSz cx="12192000" cy="6858000"/>
   <p:notesSz cx="6858000" cy="9144000"/>
@@ -2228,10 +2231,7 @@
           <a:bodyPr/>
           <a:lstStyle/>
           <a:p>
-            <a:r>
-              <a:rPr lang="en-US" dirty="0"/>
-              <a:t>https://www.educative.io/edpresso/one-hot-encoding-in-python</a:t>
-            </a:r>
+            <a:endParaRPr lang="en-US" dirty="0"/>
           </a:p>
         </p:txBody>
       </p:sp>
@@ -2253,6 +2253,93 @@
             <a:fld id="{791F1524-C5FD-4370-8A10-5BE52A97A495}" type="slidenum">
               <a:rPr lang="en-US" smtClean="0"/>
               <a:t>8</a:t>
+            </a:fld>
+            <a:endParaRPr lang="en-US"/>
+          </a:p>
+        </p:txBody>
+      </p:sp>
+    </p:spTree>
+    <p:extLst>
+      <p:ext uri="{BB962C8B-B14F-4D97-AF65-F5344CB8AC3E}">
+        <p14:creationId xmlns:p14="http://schemas.microsoft.com/office/powerpoint/2010/main" val="3323235639"/>
+      </p:ext>
+    </p:extLst>
+  </p:cSld>
+  <p:clrMapOvr>
+    <a:masterClrMapping/>
+  </p:clrMapOvr>
+</p:notes>
+</file>
+
+<file path=ppt/notesSlides/notesSlide3.xml><?xml version="1.0" encoding="utf-8"?>
+<p:notes xmlns:a="http://schemas.openxmlformats.org/drawingml/2006/main" xmlns:r="http://schemas.openxmlformats.org/officeDocument/2006/relationships" xmlns:p="http://schemas.openxmlformats.org/presentationml/2006/main">
+  <p:cSld>
+    <p:spTree>
+      <p:nvGrpSpPr>
+        <p:cNvPr id="1" name=""/>
+        <p:cNvGrpSpPr/>
+        <p:nvPr/>
+      </p:nvGrpSpPr>
+      <p:grpSpPr>
+        <a:xfrm>
+          <a:off x="0" y="0"/>
+          <a:ext cx="0" cy="0"/>
+          <a:chOff x="0" y="0"/>
+          <a:chExt cx="0" cy="0"/>
+        </a:xfrm>
+      </p:grpSpPr>
+      <p:sp>
+        <p:nvSpPr>
+          <p:cNvPr id="2" name="Slide Image Placeholder 1"/>
+          <p:cNvSpPr>
+            <a:spLocks noGrp="1" noRot="1" noChangeAspect="1"/>
+          </p:cNvSpPr>
+          <p:nvPr>
+            <p:ph type="sldImg"/>
+          </p:nvPr>
+        </p:nvSpPr>
+        <p:spPr/>
+      </p:sp>
+      <p:sp>
+        <p:nvSpPr>
+          <p:cNvPr id="3" name="Notes Placeholder 2"/>
+          <p:cNvSpPr>
+            <a:spLocks noGrp="1"/>
+          </p:cNvSpPr>
+          <p:nvPr>
+            <p:ph type="body" idx="1"/>
+          </p:nvPr>
+        </p:nvSpPr>
+        <p:spPr/>
+        <p:txBody>
+          <a:bodyPr/>
+          <a:lstStyle/>
+          <a:p>
+            <a:r>
+              <a:rPr lang="en-US" dirty="0"/>
+              <a:t>https://www.educative.io/edpresso/one-hot-encoding-in-python</a:t>
+            </a:r>
+          </a:p>
+        </p:txBody>
+      </p:sp>
+      <p:sp>
+        <p:nvSpPr>
+          <p:cNvPr id="4" name="Slide Number Placeholder 3"/>
+          <p:cNvSpPr>
+            <a:spLocks noGrp="1"/>
+          </p:cNvSpPr>
+          <p:nvPr>
+            <p:ph type="sldNum" sz="quarter" idx="5"/>
+          </p:nvPr>
+        </p:nvSpPr>
+        <p:spPr/>
+        <p:txBody>
+          <a:bodyPr/>
+          <a:lstStyle/>
+          <a:p>
+            <a:fld id="{791F1524-C5FD-4370-8A10-5BE52A97A495}" type="slidenum">
+              <a:rPr lang="en-US" smtClean="0"/>
+              <a:t>11</a:t>
             </a:fld>
             <a:endParaRPr lang="en-US"/>
           </a:p>
@@ -5638,6 +5725,331 @@
       </p:grpSpPr>
       <p:sp>
         <p:nvSpPr>
+          <p:cNvPr id="2" name="Title 1">
+            <a:extLst>
+              <a:ext uri="{FF2B5EF4-FFF2-40B4-BE49-F238E27FC236}">
+                <a16:creationId xmlns:a16="http://schemas.microsoft.com/office/drawing/2014/main" id="{780E88B2-43E5-4C47-B9D7-153A25C94A44}"/>
+              </a:ext>
+            </a:extLst>
+          </p:cNvPr>
+          <p:cNvSpPr>
+            <a:spLocks noGrp="1"/>
+          </p:cNvSpPr>
+          <p:nvPr>
+            <p:ph type="title"/>
+          </p:nvPr>
+        </p:nvSpPr>
+        <p:spPr/>
+        <p:txBody>
+          <a:bodyPr/>
+          <a:lstStyle/>
+          <a:p>
+            <a:r>
+              <a:rPr lang="en-US" dirty="0"/>
+              <a:t>Cross Product</a:t>
+            </a:r>
+          </a:p>
+        </p:txBody>
+      </p:sp>
+      <p:sp>
+        <p:nvSpPr>
+          <p:cNvPr id="3" name="Content Placeholder 2">
+            <a:extLst>
+              <a:ext uri="{FF2B5EF4-FFF2-40B4-BE49-F238E27FC236}">
+                <a16:creationId xmlns:a16="http://schemas.microsoft.com/office/drawing/2014/main" id="{536FC5A0-3DD4-4E84-B3D1-DC76C69B19ED}"/>
+              </a:ext>
+            </a:extLst>
+          </p:cNvPr>
+          <p:cNvSpPr>
+            <a:spLocks noGrp="1"/>
+          </p:cNvSpPr>
+          <p:nvPr>
+            <p:ph idx="1"/>
+          </p:nvPr>
+        </p:nvSpPr>
+        <p:spPr/>
+        <p:txBody>
+          <a:bodyPr/>
+          <a:lstStyle/>
+          <a:p>
+            <a:endParaRPr lang="en-US"/>
+          </a:p>
+        </p:txBody>
+      </p:sp>
+      <p:pic>
+        <p:nvPicPr>
+          <p:cNvPr id="5" name="Picture 4">
+            <a:extLst>
+              <a:ext uri="{FF2B5EF4-FFF2-40B4-BE49-F238E27FC236}">
+                <a16:creationId xmlns:a16="http://schemas.microsoft.com/office/drawing/2014/main" id="{EC2FE8D6-9B6F-4726-9183-F4554CBAEB27}"/>
+              </a:ext>
+            </a:extLst>
+          </p:cNvPr>
+          <p:cNvPicPr>
+            <a:picLocks noChangeAspect="1"/>
+          </p:cNvPicPr>
+          <p:nvPr/>
+        </p:nvPicPr>
+        <p:blipFill>
+          <a:blip r:embed="rId2"/>
+          <a:stretch>
+            <a:fillRect/>
+          </a:stretch>
+        </p:blipFill>
+        <p:spPr>
+          <a:xfrm>
+            <a:off x="1271587" y="1828800"/>
+            <a:ext cx="9648825" cy="4200525"/>
+          </a:xfrm>
+          <a:prstGeom prst="rect">
+            <a:avLst/>
+          </a:prstGeom>
+        </p:spPr>
+      </p:pic>
+    </p:spTree>
+    <p:extLst>
+      <p:ext uri="{BB962C8B-B14F-4D97-AF65-F5344CB8AC3E}">
+        <p14:creationId xmlns:p14="http://schemas.microsoft.com/office/powerpoint/2010/main" val="1495520383"/>
+      </p:ext>
+    </p:extLst>
+  </p:cSld>
+  <p:clrMapOvr>
+    <a:masterClrMapping/>
+  </p:clrMapOvr>
+</p:sld>
+</file>
+
+<file path=ppt/slides/slide11.xml><?xml version="1.0" encoding="utf-8"?>
+<p:sld xmlns:a="http://schemas.openxmlformats.org/drawingml/2006/main" xmlns:r="http://schemas.openxmlformats.org/officeDocument/2006/relationships" xmlns:p="http://schemas.openxmlformats.org/presentationml/2006/main">
+  <p:cSld>
+    <p:spTree>
+      <p:nvGrpSpPr>
+        <p:cNvPr id="1" name=""/>
+        <p:cNvGrpSpPr/>
+        <p:nvPr/>
+      </p:nvGrpSpPr>
+      <p:grpSpPr>
+        <a:xfrm>
+          <a:off x="0" y="0"/>
+          <a:ext cx="0" cy="0"/>
+          <a:chOff x="0" y="0"/>
+          <a:chExt cx="0" cy="0"/>
+        </a:xfrm>
+      </p:grpSpPr>
+      <p:sp>
+        <p:nvSpPr>
+          <p:cNvPr id="2" name="Title 1">
+            <a:extLst>
+              <a:ext uri="{FF2B5EF4-FFF2-40B4-BE49-F238E27FC236}">
+                <a16:creationId xmlns:a16="http://schemas.microsoft.com/office/drawing/2014/main" id="{DD25C0EA-0951-421D-9FD1-7E162AFEBEB8}"/>
+              </a:ext>
+            </a:extLst>
+          </p:cNvPr>
+          <p:cNvSpPr>
+            <a:spLocks noGrp="1"/>
+          </p:cNvSpPr>
+          <p:nvPr>
+            <p:ph type="title"/>
+          </p:nvPr>
+        </p:nvSpPr>
+        <p:spPr/>
+        <p:txBody>
+          <a:bodyPr/>
+          <a:lstStyle/>
+          <a:p>
+            <a:r>
+              <a:rPr lang="en-US" dirty="0"/>
+              <a:t>One Hot Encoding</a:t>
+            </a:r>
+          </a:p>
+        </p:txBody>
+      </p:sp>
+      <p:sp>
+        <p:nvSpPr>
+          <p:cNvPr id="3" name="Content Placeholder 2">
+            <a:extLst>
+              <a:ext uri="{FF2B5EF4-FFF2-40B4-BE49-F238E27FC236}">
+                <a16:creationId xmlns:a16="http://schemas.microsoft.com/office/drawing/2014/main" id="{97565408-3C01-4DC1-A44F-2470BAE64188}"/>
+              </a:ext>
+            </a:extLst>
+          </p:cNvPr>
+          <p:cNvSpPr>
+            <a:spLocks noGrp="1"/>
+          </p:cNvSpPr>
+          <p:nvPr>
+            <p:ph idx="1"/>
+          </p:nvPr>
+        </p:nvSpPr>
+        <p:spPr/>
+        <p:txBody>
+          <a:bodyPr/>
+          <a:lstStyle/>
+          <a:p>
+            <a:r>
+              <a:rPr lang="en-US" dirty="0"/>
+              <a:t>A vector representation of a categorical value</a:t>
+            </a:r>
+          </a:p>
+          <a:p>
+            <a:r>
+              <a:rPr lang="en-US" dirty="0"/>
+              <a:t>This is a type of preprocessing used in machine learning</a:t>
+            </a:r>
+          </a:p>
+          <a:p>
+            <a:pPr lvl="1"/>
+            <a:r>
+              <a:rPr lang="en-US" dirty="0"/>
+              <a:t>We will talk more about this in a few weeks!</a:t>
+            </a:r>
+          </a:p>
+          <a:p>
+            <a:r>
+              <a:rPr lang="en-US" dirty="0"/>
+              <a:t>So, you are converting categories to numbers so they can be processed better and more efficiently!</a:t>
+            </a:r>
+          </a:p>
+          <a:p>
+            <a:r>
+              <a:rPr lang="en-US" dirty="0"/>
+              <a:t>You are creating dummy variables… BUT This can lead to the Dummy Variable Trap</a:t>
+            </a:r>
+          </a:p>
+        </p:txBody>
+      </p:sp>
+    </p:spTree>
+    <p:extLst>
+      <p:ext uri="{BB962C8B-B14F-4D97-AF65-F5344CB8AC3E}">
+        <p14:creationId xmlns:p14="http://schemas.microsoft.com/office/powerpoint/2010/main" val="2385915300"/>
+      </p:ext>
+    </p:extLst>
+  </p:cSld>
+  <p:clrMapOvr>
+    <a:masterClrMapping/>
+  </p:clrMapOvr>
+</p:sld>
+</file>
+
+<file path=ppt/slides/slide12.xml><?xml version="1.0" encoding="utf-8"?>
+<p:sld xmlns:a="http://schemas.openxmlformats.org/drawingml/2006/main" xmlns:r="http://schemas.openxmlformats.org/officeDocument/2006/relationships" xmlns:p="http://schemas.openxmlformats.org/presentationml/2006/main">
+  <p:cSld>
+    <p:spTree>
+      <p:nvGrpSpPr>
+        <p:cNvPr id="1" name=""/>
+        <p:cNvGrpSpPr/>
+        <p:nvPr/>
+      </p:nvGrpSpPr>
+      <p:grpSpPr>
+        <a:xfrm>
+          <a:off x="0" y="0"/>
+          <a:ext cx="0" cy="0"/>
+          <a:chOff x="0" y="0"/>
+          <a:chExt cx="0" cy="0"/>
+        </a:xfrm>
+      </p:grpSpPr>
+      <p:sp>
+        <p:nvSpPr>
+          <p:cNvPr id="2" name="Title 1">
+            <a:extLst>
+              <a:ext uri="{FF2B5EF4-FFF2-40B4-BE49-F238E27FC236}">
+                <a16:creationId xmlns:a16="http://schemas.microsoft.com/office/drawing/2014/main" id="{09E002E6-1A15-4366-8E2B-6957CD3F0EE3}"/>
+              </a:ext>
+            </a:extLst>
+          </p:cNvPr>
+          <p:cNvSpPr>
+            <a:spLocks noGrp="1"/>
+          </p:cNvSpPr>
+          <p:nvPr>
+            <p:ph type="title"/>
+          </p:nvPr>
+        </p:nvSpPr>
+        <p:spPr/>
+        <p:txBody>
+          <a:bodyPr/>
+          <a:lstStyle/>
+          <a:p>
+            <a:r>
+              <a:rPr lang="en-US" dirty="0"/>
+              <a:t>Dummy Variable Trap</a:t>
+            </a:r>
+          </a:p>
+        </p:txBody>
+      </p:sp>
+      <p:sp>
+        <p:nvSpPr>
+          <p:cNvPr id="3" name="Content Placeholder 2">
+            <a:extLst>
+              <a:ext uri="{FF2B5EF4-FFF2-40B4-BE49-F238E27FC236}">
+                <a16:creationId xmlns:a16="http://schemas.microsoft.com/office/drawing/2014/main" id="{E5A67FCC-3177-445A-8CEB-2734824E2732}"/>
+              </a:ext>
+            </a:extLst>
+          </p:cNvPr>
+          <p:cNvSpPr>
+            <a:spLocks noGrp="1"/>
+          </p:cNvSpPr>
+          <p:nvPr>
+            <p:ph idx="1"/>
+          </p:nvPr>
+        </p:nvSpPr>
+        <p:spPr/>
+        <p:txBody>
+          <a:bodyPr/>
+          <a:lstStyle/>
+          <a:p>
+            <a:r>
+              <a:rPr lang="en-US" dirty="0"/>
+              <a:t>Independent variables are multicollinear </a:t>
+            </a:r>
+          </a:p>
+          <a:p>
+            <a:r>
+              <a:rPr lang="en-US" dirty="0"/>
+              <a:t>Simply: variables are highly correlated, and one can be predicted from one or more others</a:t>
+            </a:r>
+          </a:p>
+          <a:p>
+            <a:endParaRPr lang="en-US" dirty="0"/>
+          </a:p>
+          <a:p>
+            <a:r>
+              <a:rPr lang="en-US" dirty="0"/>
+              <a:t>Example: creating a dummy variable for male and a dummy variable for female is redundant</a:t>
+            </a:r>
+          </a:p>
+        </p:txBody>
+      </p:sp>
+    </p:spTree>
+    <p:extLst>
+      <p:ext uri="{BB962C8B-B14F-4D97-AF65-F5344CB8AC3E}">
+        <p14:creationId xmlns:p14="http://schemas.microsoft.com/office/powerpoint/2010/main" val="3742644547"/>
+      </p:ext>
+    </p:extLst>
+  </p:cSld>
+  <p:clrMapOvr>
+    <a:masterClrMapping/>
+  </p:clrMapOvr>
+</p:sld>
+</file>
+
+<file path=ppt/slides/slide13.xml><?xml version="1.0" encoding="utf-8"?>
+<p:sld xmlns:a="http://schemas.openxmlformats.org/drawingml/2006/main" xmlns:r="http://schemas.openxmlformats.org/officeDocument/2006/relationships" xmlns:p="http://schemas.openxmlformats.org/presentationml/2006/main">
+  <p:cSld>
+    <p:spTree>
+      <p:nvGrpSpPr>
+        <p:cNvPr id="1" name=""/>
+        <p:cNvGrpSpPr/>
+        <p:nvPr/>
+      </p:nvGrpSpPr>
+      <p:grpSpPr>
+        <a:xfrm>
+          <a:off x="0" y="0"/>
+          <a:ext cx="0" cy="0"/>
+          <a:chOff x="0" y="0"/>
+          <a:chExt cx="0" cy="0"/>
+        </a:xfrm>
+      </p:grpSpPr>
+      <p:sp>
+        <p:nvSpPr>
           <p:cNvPr id="4" name="Title 3">
             <a:extLst>
               <a:ext uri="{FF2B5EF4-FFF2-40B4-BE49-F238E27FC236}">
@@ -5727,7 +6139,7 @@
 </p:sld>
 </file>
 
-<file path=ppt/slides/slide11.xml><?xml version="1.0" encoding="utf-8"?>
+<file path=ppt/slides/slide14.xml><?xml version="1.0" encoding="utf-8"?>
 <p:sld xmlns:a="http://schemas.openxmlformats.org/drawingml/2006/main" xmlns:r="http://schemas.openxmlformats.org/officeDocument/2006/relationships" xmlns:p="http://schemas.openxmlformats.org/presentationml/2006/main">
   <p:cSld>
     <p:spTree>
@@ -6383,7 +6795,7 @@
           <p:cNvPr id="2" name="Title 1">
             <a:extLst>
               <a:ext uri="{FF2B5EF4-FFF2-40B4-BE49-F238E27FC236}">
-                <a16:creationId xmlns:a16="http://schemas.microsoft.com/office/drawing/2014/main" id="{D316B84D-37CF-4B67-B2D9-0A4638BC6C01}"/>
+                <a16:creationId xmlns:a16="http://schemas.microsoft.com/office/drawing/2014/main" id="{1F8D5993-23A3-46D7-94C8-8D55EFD65142}"/>
               </a:ext>
             </a:extLst>
           </p:cNvPr>
@@ -6411,7 +6823,7 @@
           <p:cNvPr id="3" name="Content Placeholder 2">
             <a:extLst>
               <a:ext uri="{FF2B5EF4-FFF2-40B4-BE49-F238E27FC236}">
-                <a16:creationId xmlns:a16="http://schemas.microsoft.com/office/drawing/2014/main" id="{6990F58E-5BC0-4BD0-89C8-E983F83F7ACB}"/>
+                <a16:creationId xmlns:a16="http://schemas.microsoft.com/office/drawing/2014/main" id="{97515EED-DF95-4DE2-B756-1AA0546E2BC9}"/>
               </a:ext>
             </a:extLst>
           </p:cNvPr>
@@ -6435,12 +6847,6 @@
           <a:p>
             <a:r>
               <a:rPr lang="en-US" dirty="0"/>
-              <a:t>Matrix math</a:t>
-            </a:r>
-          </a:p>
-          <a:p>
-            <a:r>
-              <a:rPr lang="en-US" dirty="0"/>
               <a:t>Dot product</a:t>
             </a:r>
           </a:p>
@@ -6454,6 +6860,12 @@
             <a:r>
               <a:rPr lang="en-US" dirty="0"/>
               <a:t>Linear independence</a:t>
+            </a:r>
+          </a:p>
+          <a:p>
+            <a:r>
+              <a:rPr lang="en-US" dirty="0"/>
+              <a:t>Matrix Math</a:t>
             </a:r>
           </a:p>
         </p:txBody>
@@ -6461,7 +6873,7 @@
     </p:spTree>
     <p:extLst>
       <p:ext uri="{BB962C8B-B14F-4D97-AF65-F5344CB8AC3E}">
-        <p14:creationId xmlns:p14="http://schemas.microsoft.com/office/powerpoint/2010/main" val="1777504516"/>
+        <p14:creationId xmlns:p14="http://schemas.microsoft.com/office/powerpoint/2010/main" val="4175412723"/>
       </p:ext>
     </p:extLst>
   </p:cSld>
@@ -6493,7 +6905,7 @@
           <p:cNvPr id="2" name="Title 1">
             <a:extLst>
               <a:ext uri="{FF2B5EF4-FFF2-40B4-BE49-F238E27FC236}">
-                <a16:creationId xmlns:a16="http://schemas.microsoft.com/office/drawing/2014/main" id="{DD25C0EA-0951-421D-9FD1-7E162AFEBEB8}"/>
+                <a16:creationId xmlns:a16="http://schemas.microsoft.com/office/drawing/2014/main" id="{D316B84D-37CF-4B67-B2D9-0A4638BC6C01}"/>
               </a:ext>
             </a:extLst>
           </p:cNvPr>
@@ -6511,80 +6923,299 @@
           <a:p>
             <a:r>
               <a:rPr lang="en-US" dirty="0"/>
-              <a:t>One Hot Encoding</a:t>
-            </a:r>
-          </a:p>
-        </p:txBody>
-      </p:sp>
-      <p:sp>
-        <p:nvSpPr>
-          <p:cNvPr id="3" name="Content Placeholder 2">
+              <a:t>Dot product</a:t>
+            </a:r>
+          </a:p>
+        </p:txBody>
+      </p:sp>
+      <p:pic>
+        <p:nvPicPr>
+          <p:cNvPr id="9" name="Picture 8">
             <a:extLst>
               <a:ext uri="{FF2B5EF4-FFF2-40B4-BE49-F238E27FC236}">
-                <a16:creationId xmlns:a16="http://schemas.microsoft.com/office/drawing/2014/main" id="{97565408-3C01-4DC1-A44F-2470BAE64188}"/>
+                <a16:creationId xmlns:a16="http://schemas.microsoft.com/office/drawing/2014/main" id="{81B169EE-8F6E-452D-8393-E2B2BEAE45AE}"/>
               </a:ext>
             </a:extLst>
           </p:cNvPr>
-          <p:cNvSpPr>
-            <a:spLocks noGrp="1"/>
-          </p:cNvSpPr>
-          <p:nvPr>
-            <p:ph idx="1"/>
-          </p:nvPr>
-        </p:nvSpPr>
-        <p:spPr/>
-        <p:txBody>
-          <a:bodyPr/>
+          <p:cNvPicPr>
+            <a:picLocks noChangeAspect="1"/>
+          </p:cNvPicPr>
+          <p:nvPr/>
+        </p:nvPicPr>
+        <p:blipFill>
+          <a:blip r:embed="rId3"/>
+          <a:stretch>
+            <a:fillRect/>
+          </a:stretch>
+        </p:blipFill>
+        <p:spPr>
+          <a:xfrm>
+            <a:off x="716958" y="1976377"/>
+            <a:ext cx="7332760" cy="674157"/>
+          </a:xfrm>
+          <a:prstGeom prst="rect">
+            <a:avLst/>
+          </a:prstGeom>
+        </p:spPr>
+      </p:pic>
+      <p:pic>
+        <p:nvPicPr>
+          <p:cNvPr id="1026" name="Picture 2" descr="dot product components">
+            <a:extLst>
+              <a:ext uri="{FF2B5EF4-FFF2-40B4-BE49-F238E27FC236}">
+                <a16:creationId xmlns:a16="http://schemas.microsoft.com/office/drawing/2014/main" id="{49A70C94-599E-4315-81FA-279D848C5AEA}"/>
+              </a:ext>
+            </a:extLst>
+          </p:cNvPr>
+          <p:cNvPicPr>
+            <a:picLocks noChangeAspect="1" noChangeArrowheads="1"/>
+          </p:cNvPicPr>
+          <p:nvPr/>
+        </p:nvPicPr>
+        <p:blipFill>
+          <a:blip r:embed="rId4">
+            <a:extLst>
+              <a:ext uri="{28A0092B-C50C-407E-A947-70E740481C1C}">
+                <a14:useLocalDpi xmlns:a14="http://schemas.microsoft.com/office/drawing/2010/main" val="0"/>
+              </a:ext>
+            </a:extLst>
+          </a:blip>
+          <a:srcRect/>
+          <a:stretch>
+            <a:fillRect/>
+          </a:stretch>
+        </p:blipFill>
+        <p:spPr bwMode="auto">
+          <a:xfrm>
+            <a:off x="1414511" y="2935589"/>
+            <a:ext cx="2432678" cy="2214174"/>
+          </a:xfrm>
+          <a:prstGeom prst="rect">
+            <a:avLst/>
+          </a:prstGeom>
+          <a:noFill/>
+          <a:extLst>
+            <a:ext uri="{909E8E84-426E-40DD-AFC4-6F175D3DCCD1}">
+              <a14:hiddenFill xmlns:a14="http://schemas.microsoft.com/office/drawing/2010/main">
+                <a:solidFill>
+                  <a:srgbClr val="FFFFFF"/>
+                </a:solidFill>
+              </a14:hiddenFill>
+            </a:ext>
+          </a:extLst>
+        </p:spPr>
+      </p:pic>
+      <p:pic>
+        <p:nvPicPr>
+          <p:cNvPr id="11" name="Picture 10">
+            <a:extLst>
+              <a:ext uri="{FF2B5EF4-FFF2-40B4-BE49-F238E27FC236}">
+                <a16:creationId xmlns:a16="http://schemas.microsoft.com/office/drawing/2014/main" id="{D9189B1D-3202-4E12-89BD-7CBBC687C1DC}"/>
+              </a:ext>
+            </a:extLst>
+          </p:cNvPr>
+          <p:cNvPicPr>
+            <a:picLocks noChangeAspect="1"/>
+          </p:cNvPicPr>
+          <p:nvPr/>
+        </p:nvPicPr>
+        <p:blipFill>
+          <a:blip r:embed="rId5"/>
+          <a:stretch>
+            <a:fillRect/>
+          </a:stretch>
+        </p:blipFill>
+        <p:spPr>
+          <a:xfrm>
+            <a:off x="4025405" y="5434818"/>
+            <a:ext cx="7439025" cy="714375"/>
+          </a:xfrm>
+          <a:prstGeom prst="rect">
+            <a:avLst/>
+          </a:prstGeom>
+        </p:spPr>
+      </p:pic>
+      <p:sp>
+        <p:nvSpPr>
+          <p:cNvPr id="12" name="TextBox 11">
+            <a:extLst>
+              <a:ext uri="{FF2B5EF4-FFF2-40B4-BE49-F238E27FC236}">
+                <a16:creationId xmlns:a16="http://schemas.microsoft.com/office/drawing/2014/main" id="{807C4C2B-4048-46A2-8A3B-1CA417D0FF51}"/>
+              </a:ext>
+            </a:extLst>
+          </p:cNvPr>
+          <p:cNvSpPr txBox="1"/>
+          <p:nvPr/>
+        </p:nvSpPr>
+        <p:spPr>
+          <a:xfrm>
+            <a:off x="4025405" y="4965097"/>
+            <a:ext cx="4331635" cy="369332"/>
+          </a:xfrm>
+          <a:prstGeom prst="rect">
+            <a:avLst/>
+          </a:prstGeom>
+          <a:noFill/>
+        </p:spPr>
+        <p:txBody>
+          <a:bodyPr wrap="none" rtlCol="0">
+            <a:spAutoFit/>
+          </a:bodyPr>
           <a:lstStyle/>
           <a:p>
             <a:r>
               <a:rPr lang="en-US" dirty="0"/>
-              <a:t>A vector representation of a categorical value</a:t>
-            </a:r>
-          </a:p>
-          <a:p>
-            <a:r>
-              <a:rPr lang="en-US" dirty="0"/>
-              <a:t>This is a type of preprocessing used in machine learning</a:t>
-            </a:r>
-          </a:p>
-          <a:p>
-            <a:pPr lvl="1"/>
-            <a:r>
-              <a:rPr lang="en-US" dirty="0"/>
-              <a:t>We will talk more about this in a few weeks!</a:t>
-            </a:r>
-          </a:p>
-          <a:p>
-            <a:r>
-              <a:rPr lang="en-US" dirty="0"/>
-              <a:t>So, you are converting categories to numbers so they can be processed better and more efficiently!</a:t>
-            </a:r>
-          </a:p>
-          <a:p>
-            <a:r>
-              <a:rPr lang="en-US" dirty="0"/>
-              <a:t>You are creating dummy variables… BUT This can lead to the Dummy Variable Trap</a:t>
-            </a:r>
-          </a:p>
-        </p:txBody>
-      </p:sp>
+              <a:t>BUT, if all we have is the vector itself: </a:t>
+            </a:r>
+          </a:p>
+        </p:txBody>
+      </p:sp>
+      <p:pic>
+        <p:nvPicPr>
+          <p:cNvPr id="1028" name="Picture 4" descr="dot product example">
+            <a:extLst>
+              <a:ext uri="{FF2B5EF4-FFF2-40B4-BE49-F238E27FC236}">
+                <a16:creationId xmlns:a16="http://schemas.microsoft.com/office/drawing/2014/main" id="{776BEACB-EAE4-42DA-9DF7-7638B99F1096}"/>
+              </a:ext>
+            </a:extLst>
+          </p:cNvPr>
+          <p:cNvPicPr>
+            <a:picLocks noChangeAspect="1" noChangeArrowheads="1"/>
+          </p:cNvPicPr>
+          <p:nvPr/>
+        </p:nvPicPr>
+        <p:blipFill>
+          <a:blip r:embed="rId6">
+            <a:extLst>
+              <a:ext uri="{28A0092B-C50C-407E-A947-70E740481C1C}">
+                <a14:useLocalDpi xmlns:a14="http://schemas.microsoft.com/office/drawing/2010/main" val="0"/>
+              </a:ext>
+            </a:extLst>
+          </a:blip>
+          <a:srcRect/>
+          <a:stretch>
+            <a:fillRect/>
+          </a:stretch>
+        </p:blipFill>
+        <p:spPr bwMode="auto">
+          <a:xfrm>
+            <a:off x="3381227" y="1630561"/>
+            <a:ext cx="5108262" cy="4821817"/>
+          </a:xfrm>
+          <a:prstGeom prst="rect">
+            <a:avLst/>
+          </a:prstGeom>
+          <a:noFill/>
+          <a:extLst>
+            <a:ext uri="{909E8E84-426E-40DD-AFC4-6F175D3DCCD1}">
+              <a14:hiddenFill xmlns:a14="http://schemas.microsoft.com/office/drawing/2010/main">
+                <a:solidFill>
+                  <a:srgbClr val="FFFFFF"/>
+                </a:solidFill>
+              </a14:hiddenFill>
+            </a:ext>
+          </a:extLst>
+        </p:spPr>
+      </p:pic>
     </p:spTree>
     <p:extLst>
       <p:ext uri="{BB962C8B-B14F-4D97-AF65-F5344CB8AC3E}">
-        <p14:creationId xmlns:p14="http://schemas.microsoft.com/office/powerpoint/2010/main" val="2385915300"/>
+        <p14:creationId xmlns:p14="http://schemas.microsoft.com/office/powerpoint/2010/main" val="1777504516"/>
       </p:ext>
     </p:extLst>
   </p:cSld>
   <p:clrMapOvr>
     <a:masterClrMapping/>
   </p:clrMapOvr>
+  <p:timing>
+    <p:tnLst>
+      <p:par>
+        <p:cTn id="1" dur="indefinite" restart="never" nodeType="tmRoot">
+          <p:childTnLst>
+            <p:seq concurrent="1" nextAc="seek">
+              <p:cTn id="2" dur="indefinite" nodeType="mainSeq">
+                <p:childTnLst>
+                  <p:par>
+                    <p:cTn id="3" fill="hold">
+                      <p:stCondLst>
+                        <p:cond delay="indefinite"/>
+                      </p:stCondLst>
+                      <p:childTnLst>
+                        <p:par>
+                          <p:cTn id="4" fill="hold">
+                            <p:stCondLst>
+                              <p:cond delay="0"/>
+                            </p:stCondLst>
+                            <p:childTnLst>
+                              <p:par>
+                                <p:cTn id="5" presetID="1" presetClass="entr" presetSubtype="0" fill="hold" nodeType="clickEffect">
+                                  <p:stCondLst>
+                                    <p:cond delay="0"/>
+                                  </p:stCondLst>
+                                  <p:childTnLst>
+                                    <p:set>
+                                      <p:cBhvr>
+                                        <p:cTn id="6" dur="1" fill="hold">
+                                          <p:stCondLst>
+                                            <p:cond delay="0"/>
+                                          </p:stCondLst>
+                                        </p:cTn>
+                                        <p:tgtEl>
+                                          <p:spTgt spid="1028"/>
+                                        </p:tgtEl>
+                                        <p:attrNameLst>
+                                          <p:attrName>style.visibility</p:attrName>
+                                        </p:attrNameLst>
+                                      </p:cBhvr>
+                                      <p:to>
+                                        <p:strVal val="visible"/>
+                                      </p:to>
+                                    </p:set>
+                                  </p:childTnLst>
+                                </p:cTn>
+                              </p:par>
+                            </p:childTnLst>
+                          </p:cTn>
+                        </p:par>
+                      </p:childTnLst>
+                    </p:cTn>
+                  </p:par>
+                </p:childTnLst>
+              </p:cTn>
+              <p:prevCondLst>
+                <p:cond evt="onPrev" delay="0">
+                  <p:tgtEl>
+                    <p:sldTgt/>
+                  </p:tgtEl>
+                </p:cond>
+              </p:prevCondLst>
+              <p:nextCondLst>
+                <p:cond evt="onNext" delay="0">
+                  <p:tgtEl>
+                    <p:sldTgt/>
+                  </p:tgtEl>
+                </p:cond>
+              </p:nextCondLst>
+            </p:seq>
+          </p:childTnLst>
+        </p:cTn>
+      </p:par>
+    </p:tnLst>
+  </p:timing>
 </p:sld>
 </file>
 
 <file path=ppt/slides/slide9.xml><?xml version="1.0" encoding="utf-8"?>
 <p:sld xmlns:a="http://schemas.openxmlformats.org/drawingml/2006/main" xmlns:r="http://schemas.openxmlformats.org/officeDocument/2006/relationships" xmlns:p="http://schemas.openxmlformats.org/presentationml/2006/main">
   <p:cSld>
+    <p:bg>
+      <p:bgPr>
+        <a:solidFill>
+          <a:schemeClr val="bg1"/>
+        </a:solidFill>
+        <a:effectLst/>
+      </p:bgPr>
+    </p:bg>
     <p:spTree>
       <p:nvGrpSpPr>
         <p:cNvPr id="1" name=""/>
@@ -6601,10 +7232,120 @@
       </p:grpSpPr>
       <p:sp>
         <p:nvSpPr>
+          <p:cNvPr id="2052" name="Rectangle 70">
+            <a:extLst>
+              <a:ext uri="{FF2B5EF4-FFF2-40B4-BE49-F238E27FC236}">
+                <a16:creationId xmlns:a16="http://schemas.microsoft.com/office/drawing/2014/main" id="{F0FD769F-BDEE-4149-8C98-A92F1F8A145F}"/>
+              </a:ext>
+              <a:ext uri="{C183D7F6-B498-43B3-948B-1728B52AA6E4}">
+                <adec:decorative xmlns:adec="http://schemas.microsoft.com/office/drawing/2017/decorative" val="1"/>
+              </a:ext>
+            </a:extLst>
+          </p:cNvPr>
+          <p:cNvSpPr>
+            <a:spLocks noGrp="1" noRot="1" noChangeAspect="1" noMove="1" noResize="1" noEditPoints="1" noAdjustHandles="1" noChangeArrowheads="1" noChangeShapeType="1" noTextEdit="1"/>
+          </p:cNvSpPr>
+          <p:nvPr>
+            <p:extLst>
+              <p:ext uri="{386F3935-93C4-4BCD-93E2-E3B085C9AB24}">
+                <p16:designElem xmlns:p16="http://schemas.microsoft.com/office/powerpoint/2015/main" val="1"/>
+              </p:ext>
+            </p:extLst>
+          </p:nvPr>
+        </p:nvSpPr>
+        <p:spPr>
+          <a:xfrm>
+            <a:off x="11292840" y="0"/>
+            <a:ext cx="914400" cy="6858000"/>
+          </a:xfrm>
+          <a:prstGeom prst="rect">
+            <a:avLst/>
+          </a:prstGeom>
+          <a:solidFill>
+            <a:srgbClr val="303030"/>
+          </a:solidFill>
+          <a:ln>
+            <a:noFill/>
+          </a:ln>
+        </p:spPr>
+        <p:style>
+          <a:lnRef idx="2">
+            <a:schemeClr val="accent1">
+              <a:shade val="50000"/>
+            </a:schemeClr>
+          </a:lnRef>
+          <a:fillRef idx="1">
+            <a:schemeClr val="accent1"/>
+          </a:fillRef>
+          <a:effectRef idx="0">
+            <a:schemeClr val="accent1"/>
+          </a:effectRef>
+          <a:fontRef idx="minor">
+            <a:schemeClr val="lt1"/>
+          </a:fontRef>
+        </p:style>
+      </p:sp>
+      <p:sp>
+        <p:nvSpPr>
+          <p:cNvPr id="73" name="Rectangle 72">
+            <a:extLst>
+              <a:ext uri="{FF2B5EF4-FFF2-40B4-BE49-F238E27FC236}">
+                <a16:creationId xmlns:a16="http://schemas.microsoft.com/office/drawing/2014/main" id="{DC00EF3B-797F-4060-9460-6EEF08B1B150}"/>
+              </a:ext>
+              <a:ext uri="{C183D7F6-B498-43B3-948B-1728B52AA6E4}">
+                <adec:decorative xmlns:adec="http://schemas.microsoft.com/office/drawing/2017/decorative" val="1"/>
+              </a:ext>
+            </a:extLst>
+          </p:cNvPr>
+          <p:cNvSpPr>
+            <a:spLocks noGrp="1" noRot="1" noChangeAspect="1" noMove="1" noResize="1" noEditPoints="1" noAdjustHandles="1" noChangeArrowheads="1" noChangeShapeType="1" noTextEdit="1"/>
+          </p:cNvSpPr>
+          <p:nvPr>
+            <p:extLst>
+              <p:ext uri="{386F3935-93C4-4BCD-93E2-E3B085C9AB24}">
+                <p16:designElem xmlns:p16="http://schemas.microsoft.com/office/powerpoint/2015/main" val="1"/>
+              </p:ext>
+            </p:extLst>
+          </p:nvPr>
+        </p:nvSpPr>
+        <p:spPr>
+          <a:xfrm>
+            <a:off x="0" y="0"/>
+            <a:ext cx="457200" cy="6858000"/>
+          </a:xfrm>
+          <a:prstGeom prst="rect">
+            <a:avLst/>
+          </a:prstGeom>
+          <a:solidFill>
+            <a:srgbClr val="303030"/>
+          </a:solidFill>
+          <a:ln>
+            <a:noFill/>
+          </a:ln>
+        </p:spPr>
+        <p:style>
+          <a:lnRef idx="2">
+            <a:schemeClr val="accent1">
+              <a:shade val="50000"/>
+            </a:schemeClr>
+          </a:lnRef>
+          <a:fillRef idx="1">
+            <a:schemeClr val="accent1"/>
+          </a:fillRef>
+          <a:effectRef idx="0">
+            <a:schemeClr val="accent1"/>
+          </a:effectRef>
+          <a:fontRef idx="minor">
+            <a:schemeClr val="lt1"/>
+          </a:fontRef>
+        </p:style>
+      </p:sp>
+      <p:sp>
+        <p:nvSpPr>
           <p:cNvPr id="2" name="Title 1">
             <a:extLst>
               <a:ext uri="{FF2B5EF4-FFF2-40B4-BE49-F238E27FC236}">
-                <a16:creationId xmlns:a16="http://schemas.microsoft.com/office/drawing/2014/main" id="{09E002E6-1A15-4366-8E2B-6957CD3F0EE3}"/>
+                <a16:creationId xmlns:a16="http://schemas.microsoft.com/office/drawing/2014/main" id="{BEE8E0A3-8E53-4AE7-8EA1-1549286723C9}"/>
               </a:ext>
             </a:extLst>
           </p:cNvPr>
@@ -6615,47 +7356,145 @@
             <p:ph type="title"/>
           </p:nvPr>
         </p:nvSpPr>
-        <p:spPr/>
-        <p:txBody>
-          <a:bodyPr/>
+        <p:spPr>
+          <a:xfrm>
+            <a:off x="8318090" y="758952"/>
+            <a:ext cx="2715353" cy="4041648"/>
+          </a:xfrm>
+        </p:spPr>
+        <p:txBody>
+          <a:bodyPr vert="horz" lIns="91440" tIns="45720" rIns="91440" bIns="45720" rtlCol="0" anchor="b">
+            <a:normAutofit/>
+          </a:bodyPr>
           <a:lstStyle/>
           <a:p>
-            <a:r>
-              <a:rPr lang="en-US" dirty="0"/>
-              <a:t>Dummy Variable Trap</a:t>
-            </a:r>
-          </a:p>
-        </p:txBody>
-      </p:sp>
-      <p:sp>
-        <p:nvSpPr>
-          <p:cNvPr id="3" name="Content Placeholder 2">
+            <a:pPr>
+              <a:lnSpc>
+                <a:spcPct val="85000"/>
+              </a:lnSpc>
+            </a:pPr>
+            <a:r>
+              <a:rPr lang="en-US" sz="5400"/>
+              <a:t>Cross product</a:t>
+            </a:r>
+          </a:p>
+        </p:txBody>
+      </p:sp>
+      <p:sp>
+        <p:nvSpPr>
+          <p:cNvPr id="75" name="Rectangle 74">
             <a:extLst>
               <a:ext uri="{FF2B5EF4-FFF2-40B4-BE49-F238E27FC236}">
-                <a16:creationId xmlns:a16="http://schemas.microsoft.com/office/drawing/2014/main" id="{E5A67FCC-3177-445A-8CEB-2734824E2732}"/>
+                <a16:creationId xmlns:a16="http://schemas.microsoft.com/office/drawing/2014/main" id="{AD1D8824-ADDE-4D07-8C6A-A88D1A27AA10}"/>
+              </a:ext>
+              <a:ext uri="{C183D7F6-B498-43B3-948B-1728B52AA6E4}">
+                <adec:decorative xmlns:adec="http://schemas.microsoft.com/office/drawing/2017/decorative" val="1"/>
               </a:ext>
             </a:extLst>
           </p:cNvPr>
           <p:cNvSpPr>
-            <a:spLocks noGrp="1"/>
-          </p:cNvSpPr>
+            <a:spLocks noGrp="1" noRot="1" noChangeAspect="1" noMove="1" noResize="1" noEditPoints="1" noAdjustHandles="1" noChangeArrowheads="1" noChangeShapeType="1" noTextEdit="1"/>
+          </p:cNvSpPr>
+          <p:nvPr>
+            <p:extLst>
+              <p:ext uri="{386F3935-93C4-4BCD-93E2-E3B085C9AB24}">
+                <p16:designElem xmlns:p16="http://schemas.microsoft.com/office/powerpoint/2015/main" val="1"/>
+              </p:ext>
+            </p:extLst>
+          </p:nvPr>
+        </p:nvSpPr>
+        <p:spPr>
+          <a:xfrm>
+            <a:off x="452283" y="0"/>
+            <a:ext cx="7561007" cy="6858000"/>
+          </a:xfrm>
+          <a:prstGeom prst="rect">
+            <a:avLst/>
+          </a:prstGeom>
+          <a:solidFill>
+            <a:srgbClr val="FFFFFF"/>
+          </a:solidFill>
+          <a:ln>
+            <a:noFill/>
+          </a:ln>
+        </p:spPr>
+        <p:style>
+          <a:lnRef idx="2">
+            <a:schemeClr val="accent1">
+              <a:shade val="50000"/>
+            </a:schemeClr>
+          </a:lnRef>
+          <a:fillRef idx="1">
+            <a:schemeClr val="accent1"/>
+          </a:fillRef>
+          <a:effectRef idx="0">
+            <a:schemeClr val="accent1"/>
+          </a:effectRef>
+          <a:fontRef idx="minor">
+            <a:schemeClr val="lt1"/>
+          </a:fontRef>
+        </p:style>
+        <p:txBody>
+          <a:bodyPr rtlCol="0" anchor="ctr"/>
+          <a:lstStyle/>
+          <a:p>
+            <a:pPr algn="ctr"/>
+            <a:endParaRPr lang="en-US"/>
+          </a:p>
+        </p:txBody>
+      </p:sp>
+      <p:pic>
+        <p:nvPicPr>
+          <p:cNvPr id="2050" name="Picture 2" descr="cross product components">
+            <a:extLst>
+              <a:ext uri="{FF2B5EF4-FFF2-40B4-BE49-F238E27FC236}">
+                <a16:creationId xmlns:a16="http://schemas.microsoft.com/office/drawing/2014/main" id="{97D55EEF-DB4C-439F-93C9-6310B5D71CD0}"/>
+              </a:ext>
+            </a:extLst>
+          </p:cNvPr>
+          <p:cNvPicPr>
+            <a:picLocks noGrp="1" noChangeAspect="1" noChangeArrowheads="1"/>
+          </p:cNvPicPr>
           <p:nvPr>
             <p:ph idx="1"/>
           </p:nvPr>
-        </p:nvSpPr>
-        <p:spPr/>
-        <p:txBody>
-          <a:bodyPr/>
-          <a:lstStyle/>
-          <a:p>
-            <a:endParaRPr lang="en-US"/>
-          </a:p>
-        </p:txBody>
-      </p:sp>
+        </p:nvPicPr>
+        <p:blipFill>
+          <a:blip r:embed="rId2">
+            <a:extLst>
+              <a:ext uri="{28A0092B-C50C-407E-A947-70E740481C1C}">
+                <a14:useLocalDpi xmlns:a14="http://schemas.microsoft.com/office/drawing/2010/main" val="0"/>
+              </a:ext>
+            </a:extLst>
+          </a:blip>
+          <a:stretch>
+            <a:fillRect/>
+          </a:stretch>
+        </p:blipFill>
+        <p:spPr bwMode="auto">
+          <a:xfrm>
+            <a:off x="944183" y="996777"/>
+            <a:ext cx="6616823" cy="4855347"/>
+          </a:xfrm>
+          <a:prstGeom prst="rect">
+            <a:avLst/>
+          </a:prstGeom>
+          <a:noFill/>
+          <a:extLst>
+            <a:ext uri="{909E8E84-426E-40DD-AFC4-6F175D3DCCD1}">
+              <a14:hiddenFill xmlns:a14="http://schemas.microsoft.com/office/drawing/2010/main">
+                <a:solidFill>
+                  <a:srgbClr val="FFFFFF"/>
+                </a:solidFill>
+              </a14:hiddenFill>
+            </a:ext>
+          </a:extLst>
+        </p:spPr>
+      </p:pic>
     </p:spTree>
     <p:extLst>
       <p:ext uri="{BB962C8B-B14F-4D97-AF65-F5344CB8AC3E}">
-        <p14:creationId xmlns:p14="http://schemas.microsoft.com/office/powerpoint/2010/main" val="3742644547"/>
+        <p14:creationId xmlns:p14="http://schemas.microsoft.com/office/powerpoint/2010/main" val="4116670779"/>
       </p:ext>
     </p:extLst>
   </p:cSld>

--- a/course_material/week_10/week_10_presentation.pptx
+++ b/course_material/week_10/week_10_presentation.pptx
@@ -6841,25 +6841,23 @@
           <a:p>
             <a:r>
               <a:rPr lang="en-US" dirty="0"/>
-              <a:t>Vector math</a:t>
-            </a:r>
-          </a:p>
-          <a:p>
+              <a:t>Vector math </a:t>
+            </a:r>
+          </a:p>
+          <a:p>
+            <a:pPr lvl="1"/>
             <a:r>
               <a:rPr lang="en-US" dirty="0"/>
-              <a:t>Dot product</a:t>
-            </a:r>
-          </a:p>
-          <a:p>
+              <a:t>What is a vector?</a:t>
+            </a:r>
+          </a:p>
+          <a:p>
+            <a:pPr marL="274320" lvl="1" indent="0">
+              <a:buNone/>
+            </a:pPr>
             <a:r>
               <a:rPr lang="en-US" dirty="0"/>
-              <a:t>Orthogonality</a:t>
-            </a:r>
-          </a:p>
-          <a:p>
-            <a:r>
-              <a:rPr lang="en-US" dirty="0"/>
-              <a:t>Linear independence</a:t>
+              <a:t>Has magnitude and direction</a:t>
             </a:r>
           </a:p>
           <a:p>
@@ -6867,6 +6865,22 @@
               <a:rPr lang="en-US" dirty="0"/>
               <a:t>Matrix Math</a:t>
             </a:r>
+          </a:p>
+          <a:p>
+            <a:r>
+              <a:rPr lang="en-US" dirty="0"/>
+              <a:t>Practically we use this for PCA and </a:t>
+            </a:r>
+            <a:r>
+              <a:rPr lang="en-US"/>
+              <a:t>One-Hot encoding</a:t>
+            </a:r>
+          </a:p>
+          <a:p>
+            <a:pPr marL="274320" lvl="1" indent="0">
+              <a:buNone/>
+            </a:pPr>
+            <a:endParaRPr lang="en-US" dirty="0"/>
           </a:p>
         </p:txBody>
       </p:sp>
@@ -6880,6 +6894,85 @@
   <p:clrMapOvr>
     <a:masterClrMapping/>
   </p:clrMapOvr>
+  <p:timing>
+    <p:tnLst>
+      <p:par>
+        <p:cTn id="1" dur="indefinite" restart="never" nodeType="tmRoot">
+          <p:childTnLst>
+            <p:seq concurrent="1" nextAc="seek">
+              <p:cTn id="2" dur="indefinite" nodeType="mainSeq">
+                <p:childTnLst>
+                  <p:par>
+                    <p:cTn id="3" fill="hold">
+                      <p:stCondLst>
+                        <p:cond delay="indefinite"/>
+                      </p:stCondLst>
+                      <p:childTnLst>
+                        <p:par>
+                          <p:cTn id="4" fill="hold">
+                            <p:stCondLst>
+                              <p:cond delay="0"/>
+                            </p:stCondLst>
+                            <p:childTnLst>
+                              <p:par>
+                                <p:cTn id="5" presetID="1" presetClass="entr" presetSubtype="0" fill="hold" nodeType="clickEffect">
+                                  <p:stCondLst>
+                                    <p:cond delay="0"/>
+                                  </p:stCondLst>
+                                  <p:childTnLst>
+                                    <p:set>
+                                      <p:cBhvr>
+                                        <p:cTn id="6" dur="1" fill="hold">
+                                          <p:stCondLst>
+                                            <p:cond delay="0"/>
+                                          </p:stCondLst>
+                                        </p:cTn>
+                                        <p:tgtEl>
+                                          <p:spTgt spid="3">
+                                            <p:txEl>
+                                              <p:pRg st="2" end="2"/>
+                                            </p:txEl>
+                                          </p:spTgt>
+                                        </p:tgtEl>
+                                        <p:attrNameLst>
+                                          <p:attrName>style.visibility</p:attrName>
+                                        </p:attrNameLst>
+                                      </p:cBhvr>
+                                      <p:to>
+                                        <p:strVal val="visible"/>
+                                      </p:to>
+                                    </p:set>
+                                  </p:childTnLst>
+                                </p:cTn>
+                              </p:par>
+                            </p:childTnLst>
+                          </p:cTn>
+                        </p:par>
+                      </p:childTnLst>
+                    </p:cTn>
+                  </p:par>
+                </p:childTnLst>
+              </p:cTn>
+              <p:prevCondLst>
+                <p:cond evt="onPrev" delay="0">
+                  <p:tgtEl>
+                    <p:sldTgt/>
+                  </p:tgtEl>
+                </p:cond>
+              </p:prevCondLst>
+              <p:nextCondLst>
+                <p:cond evt="onNext" delay="0">
+                  <p:tgtEl>
+                    <p:sldTgt/>
+                  </p:tgtEl>
+                </p:cond>
+              </p:nextCondLst>
+            </p:seq>
+          </p:childTnLst>
+        </p:cTn>
+      </p:par>
+    </p:tnLst>
+  </p:timing>
 </p:sld>
 </file>
 

--- a/course_material/week_10/week_10_presentation.pptx
+++ b/course_material/week_10/week_10_presentation.pptx
@@ -1836,7 +1836,7 @@
           <a:p>
             <a:fld id="{5CF9EFDB-215C-4120-ADCB-EAD745B7163E}" type="datetimeFigureOut">
               <a:rPr lang="en-US" smtClean="0"/>
-              <a:t>5/4/2021</a:t>
+              <a:t>5/5/2021</a:t>
             </a:fld>
             <a:endParaRPr lang="en-US"/>
           </a:p>
@@ -2552,7 +2552,7 @@
           <a:p>
             <a:fld id="{ACF1A1B0-862D-4909-A7DB-D8ADA062DFCA}" type="datetimeFigureOut">
               <a:rPr lang="en-US" dirty="0"/>
-              <a:t>5/4/2021</a:t>
+              <a:t>5/5/2021</a:t>
             </a:fld>
             <a:endParaRPr lang="en-US"/>
           </a:p>
@@ -2775,7 +2775,7 @@
           <a:p>
             <a:fld id="{7B156144-9CB7-4E3A-B87E-A382F9BE05EF}" type="datetimeFigureOut">
               <a:rPr lang="en-US" dirty="0"/>
-              <a:t>5/4/2021</a:t>
+              <a:t>5/5/2021</a:t>
             </a:fld>
             <a:endParaRPr lang="en-US"/>
           </a:p>
@@ -2953,7 +2953,7 @@
           <a:p>
             <a:fld id="{2643D55F-46AB-4791-9172-4FA8DD3A6A9C}" type="datetimeFigureOut">
               <a:rPr lang="en-US" dirty="0"/>
-              <a:t>5/4/2021</a:t>
+              <a:t>5/5/2021</a:t>
             </a:fld>
             <a:endParaRPr lang="en-US"/>
           </a:p>
@@ -3121,7 +3121,7 @@
           <a:p>
             <a:fld id="{58026881-8A08-449C-8D73-E5F201F814C1}" type="datetimeFigureOut">
               <a:rPr lang="en-US" dirty="0"/>
-              <a:t>5/4/2021</a:t>
+              <a:t>5/5/2021</a:t>
             </a:fld>
             <a:endParaRPr lang="en-US"/>
           </a:p>
@@ -3411,7 +3411,7 @@
           <a:p>
             <a:fld id="{1BEB5A5E-0C07-4E93-A112-D37B4D166B30}" type="datetimeFigureOut">
               <a:rPr lang="en-US" dirty="0"/>
-              <a:t>5/4/2021</a:t>
+              <a:t>5/5/2021</a:t>
             </a:fld>
             <a:endParaRPr lang="en-US"/>
           </a:p>
@@ -3734,7 +3734,7 @@
           <a:p>
             <a:fld id="{9E1F71C5-DC57-4358-A1EA-30C08AF6E3C5}" type="datetimeFigureOut">
               <a:rPr lang="en-US" dirty="0"/>
-              <a:t>5/4/2021</a:t>
+              <a:t>5/5/2021</a:t>
             </a:fld>
             <a:endParaRPr lang="en-US"/>
           </a:p>
@@ -4143,7 +4143,7 @@
           <a:p>
             <a:fld id="{12571DBA-DE60-4731-B773-47AAA185C143}" type="datetimeFigureOut">
               <a:rPr lang="en-US" dirty="0"/>
-              <a:t>5/4/2021</a:t>
+              <a:t>5/5/2021</a:t>
             </a:fld>
             <a:endParaRPr lang="en-US"/>
           </a:p>
@@ -4260,7 +4260,7 @@
           <a:p>
             <a:fld id="{4F170639-886C-4FCF-9EAB-ABB5DA3F3F4A}" type="datetimeFigureOut">
               <a:rPr lang="en-US" dirty="0"/>
-              <a:t>5/4/2021</a:t>
+              <a:t>5/5/2021</a:t>
             </a:fld>
             <a:endParaRPr lang="en-US"/>
           </a:p>
@@ -4355,7 +4355,7 @@
           <a:p>
             <a:fld id="{34C4A628-C83B-4C66-83F4-1711CE3738FD}" type="datetimeFigureOut">
               <a:rPr lang="en-US" dirty="0"/>
-              <a:t>5/4/2021</a:t>
+              <a:t>5/5/2021</a:t>
             </a:fld>
             <a:endParaRPr lang="en-US"/>
           </a:p>
@@ -4640,7 +4640,7 @@
           <a:p>
             <a:fld id="{B88C1D73-9400-43CA-A37F-F9B7D00DE14C}" type="datetimeFigureOut">
               <a:rPr lang="en-US" dirty="0"/>
-              <a:t>5/4/2021</a:t>
+              <a:t>5/5/2021</a:t>
             </a:fld>
             <a:endParaRPr lang="en-US"/>
           </a:p>
@@ -4912,7 +4912,7 @@
           <a:p>
             <a:fld id="{188B7711-B905-4633-B4D7-6F3A49A2E7D9}" type="datetimeFigureOut">
               <a:rPr lang="en-US" dirty="0"/>
-              <a:t>5/4/2021</a:t>
+              <a:t>5/5/2021</a:t>
             </a:fld>
             <a:endParaRPr lang="en-US"/>
           </a:p>
@@ -5162,7 +5162,7 @@
             <a:fld id="{89C235CF-BDA2-4E7E-8BBD-350479985E74}" type="datetimeFigureOut">
               <a:rPr lang="en-US" dirty="0"/>
               <a:pPr/>
-              <a:t>5/4/2021</a:t>
+              <a:t>5/5/2021</a:t>
             </a:fld>
             <a:endParaRPr lang="en-US"/>
           </a:p>
@@ -6104,23 +6104,20 @@
             <a:r>
               <a:rPr lang="en-US" b="0" i="0" dirty="0" err="1">
                 <a:solidFill>
-                  <a:schemeClr val="tx1"/>
+                  <a:schemeClr val="tx1">
+                    <a:lumMod val="95000"/>
+                  </a:schemeClr>
                 </a:solidFill>
                 <a:effectLst/>
                 <a:latin typeface="Slack-Lato"/>
               </a:rPr>
-              <a:t>OutstandingOpsEngineer</a:t>
+              <a:t>TerrificTSQL</a:t>
             </a:r>
             <a:endParaRPr lang="en-US" dirty="0">
               <a:solidFill>
-                <a:schemeClr val="tx1"/>
-              </a:solidFill>
-            </a:endParaRPr>
-          </a:p>
-          <a:p>
-            <a:endParaRPr lang="en-US" dirty="0">
-              <a:solidFill>
-                <a:schemeClr val="tx1"/>
+                <a:schemeClr val="tx1">
+                  <a:lumMod val="95000"/>
+                </a:schemeClr>
               </a:solidFill>
             </a:endParaRPr>
           </a:p>
@@ -6738,16 +6735,20 @@
             <a:r>
               <a:rPr lang="en-US" b="0" i="0" dirty="0" err="1">
                 <a:solidFill>
-                  <a:schemeClr val="tx1"/>
+                  <a:schemeClr val="tx1">
+                    <a:lumMod val="95000"/>
+                  </a:schemeClr>
                 </a:solidFill>
                 <a:effectLst/>
                 <a:latin typeface="Slack-Lato"/>
               </a:rPr>
-              <a:t>OutstandingOpsEngineer</a:t>
+              <a:t>TerrificTSQL</a:t>
             </a:r>
             <a:endParaRPr lang="en-US" dirty="0">
               <a:solidFill>
-                <a:schemeClr val="tx1"/>
+                <a:schemeClr val="tx1">
+                  <a:lumMod val="95000"/>
+                </a:schemeClr>
               </a:solidFill>
             </a:endParaRPr>
           </a:p>

--- a/course_material/week_10/week_10_presentation.pptx
+++ b/course_material/week_10/week_10_presentation.pptx
@@ -4460,7 +4460,7 @@
           <a:p>
             <a:fld id="{5CF9EFDB-215C-4120-ADCB-EAD745B7163E}" type="datetimeFigureOut">
               <a:rPr lang="en-US" smtClean="0"/>
-              <a:t>11/13/2021</a:t>
+              <a:t>11/17/2021</a:t>
             </a:fld>
             <a:endParaRPr lang="en-US"/>
           </a:p>
@@ -5344,7 +5344,7 @@
           <a:p>
             <a:fld id="{ACF1A1B0-862D-4909-A7DB-D8ADA062DFCA}" type="datetimeFigureOut">
               <a:rPr lang="en-US" dirty="0"/>
-              <a:t>11/13/2021</a:t>
+              <a:t>11/17/2021</a:t>
             </a:fld>
             <a:endParaRPr lang="en-US"/>
           </a:p>
@@ -5567,7 +5567,7 @@
           <a:p>
             <a:fld id="{7B156144-9CB7-4E3A-B87E-A382F9BE05EF}" type="datetimeFigureOut">
               <a:rPr lang="en-US" dirty="0"/>
-              <a:t>11/13/2021</a:t>
+              <a:t>11/17/2021</a:t>
             </a:fld>
             <a:endParaRPr lang="en-US"/>
           </a:p>
@@ -5745,7 +5745,7 @@
           <a:p>
             <a:fld id="{2643D55F-46AB-4791-9172-4FA8DD3A6A9C}" type="datetimeFigureOut">
               <a:rPr lang="en-US" dirty="0"/>
-              <a:t>11/13/2021</a:t>
+              <a:t>11/17/2021</a:t>
             </a:fld>
             <a:endParaRPr lang="en-US"/>
           </a:p>
@@ -5913,7 +5913,7 @@
           <a:p>
             <a:fld id="{58026881-8A08-449C-8D73-E5F201F814C1}" type="datetimeFigureOut">
               <a:rPr lang="en-US" dirty="0"/>
-              <a:t>11/13/2021</a:t>
+              <a:t>11/17/2021</a:t>
             </a:fld>
             <a:endParaRPr lang="en-US"/>
           </a:p>
@@ -6203,7 +6203,7 @@
           <a:p>
             <a:fld id="{1BEB5A5E-0C07-4E93-A112-D37B4D166B30}" type="datetimeFigureOut">
               <a:rPr lang="en-US" dirty="0"/>
-              <a:t>11/13/2021</a:t>
+              <a:t>11/17/2021</a:t>
             </a:fld>
             <a:endParaRPr lang="en-US"/>
           </a:p>
@@ -6526,7 +6526,7 @@
           <a:p>
             <a:fld id="{9E1F71C5-DC57-4358-A1EA-30C08AF6E3C5}" type="datetimeFigureOut">
               <a:rPr lang="en-US" dirty="0"/>
-              <a:t>11/13/2021</a:t>
+              <a:t>11/17/2021</a:t>
             </a:fld>
             <a:endParaRPr lang="en-US"/>
           </a:p>
@@ -6935,7 +6935,7 @@
           <a:p>
             <a:fld id="{12571DBA-DE60-4731-B773-47AAA185C143}" type="datetimeFigureOut">
               <a:rPr lang="en-US" dirty="0"/>
-              <a:t>11/13/2021</a:t>
+              <a:t>11/17/2021</a:t>
             </a:fld>
             <a:endParaRPr lang="en-US"/>
           </a:p>
@@ -7052,7 +7052,7 @@
           <a:p>
             <a:fld id="{4F170639-886C-4FCF-9EAB-ABB5DA3F3F4A}" type="datetimeFigureOut">
               <a:rPr lang="en-US" dirty="0"/>
-              <a:t>11/13/2021</a:t>
+              <a:t>11/17/2021</a:t>
             </a:fld>
             <a:endParaRPr lang="en-US"/>
           </a:p>
@@ -7147,7 +7147,7 @@
           <a:p>
             <a:fld id="{34C4A628-C83B-4C66-83F4-1711CE3738FD}" type="datetimeFigureOut">
               <a:rPr lang="en-US" dirty="0"/>
-              <a:t>11/13/2021</a:t>
+              <a:t>11/17/2021</a:t>
             </a:fld>
             <a:endParaRPr lang="en-US"/>
           </a:p>
@@ -7432,7 +7432,7 @@
           <a:p>
             <a:fld id="{B88C1D73-9400-43CA-A37F-F9B7D00DE14C}" type="datetimeFigureOut">
               <a:rPr lang="en-US" dirty="0"/>
-              <a:t>11/13/2021</a:t>
+              <a:t>11/17/2021</a:t>
             </a:fld>
             <a:endParaRPr lang="en-US"/>
           </a:p>
@@ -7704,7 +7704,7 @@
           <a:p>
             <a:fld id="{188B7711-B905-4633-B4D7-6F3A49A2E7D9}" type="datetimeFigureOut">
               <a:rPr lang="en-US" dirty="0"/>
-              <a:t>11/13/2021</a:t>
+              <a:t>11/17/2021</a:t>
             </a:fld>
             <a:endParaRPr lang="en-US"/>
           </a:p>
@@ -7954,7 +7954,7 @@
             <a:fld id="{89C235CF-BDA2-4E7E-8BBD-350479985E74}" type="datetimeFigureOut">
               <a:rPr lang="en-US" dirty="0"/>
               <a:pPr/>
-              <a:t>11/13/2021</a:t>
+              <a:t>11/17/2021</a:t>
             </a:fld>
             <a:endParaRPr lang="en-US"/>
           </a:p>
@@ -8880,20 +8880,16 @@
             <a:r>
               <a:rPr lang="en-US" b="0" i="0" dirty="0" err="1">
                 <a:solidFill>
-                  <a:schemeClr val="tx1">
-                    <a:lumMod val="95000"/>
-                  </a:schemeClr>
+                  <a:schemeClr val="tx1"/>
                 </a:solidFill>
                 <a:effectLst/>
                 <a:latin typeface="Slack-Lato"/>
               </a:rPr>
-              <a:t>TerrificTSQL</a:t>
+              <a:t>OutstandingOpsEngineer</a:t>
             </a:r>
             <a:endParaRPr lang="en-US" dirty="0">
               <a:solidFill>
-                <a:schemeClr val="tx1">
-                  <a:lumMod val="95000"/>
-                </a:schemeClr>
+                <a:schemeClr val="tx1"/>
               </a:solidFill>
             </a:endParaRPr>
           </a:p>
@@ -9543,7 +9539,7 @@
             </a:pPr>
             <a:r>
               <a:rPr lang="en-US" dirty="0"/>
-              <a:t>Take the following list [0,1,2,3,4,5,6,7,8,9] and reverse it. Try to come up with the simplest way of doing this you can. </a:t>
+              <a:t>Take the following list [0,1,2,3,4,5,6,7,8,9] and reverse it. Try to come up with the simplest way of doing this without using the reverse method.</a:t>
             </a:r>
           </a:p>
           <a:p>
